--- a/KickOff.pptx
+++ b/KickOff.pptx
@@ -12,6 +12,8 @@
     <p:sldId id="260" r:id="rId6"/>
     <p:sldId id="261" r:id="rId7"/>
     <p:sldId id="262" r:id="rId8"/>
+    <p:sldId id="263" r:id="rId9"/>
+    <p:sldId id="264" r:id="rId10"/>
   </p:sldIdLst>
   <p:sldSz cx="9144000" cy="6858000" type="screen4x3"/>
   <p:notesSz cx="6562725" cy="8686800"/>
@@ -3326,6 +3328,238 @@
 </p:sld>
 </file>
 
+<file path=ppt/slides/slide8.xml><?xml version="1.0" encoding="utf-8"?>
+<p:sld xmlns:a="http://schemas.openxmlformats.org/drawingml/2006/main" xmlns:r="http://schemas.openxmlformats.org/officeDocument/2006/relationships" xmlns:p="http://schemas.openxmlformats.org/presentationml/2006/main">
+  <p:cSld>
+    <p:spTree>
+      <p:nvGrpSpPr>
+        <p:cNvPr id="1" name=""/>
+        <p:cNvGrpSpPr/>
+        <p:nvPr/>
+      </p:nvGrpSpPr>
+      <p:grpSpPr>
+        <a:xfrm>
+          <a:off x="0" y="0"/>
+          <a:ext cx="0" cy="0"/>
+          <a:chOff x="0" y="0"/>
+          <a:chExt cx="0" cy="0"/>
+        </a:xfrm>
+      </p:grpSpPr>
+      <p:sp>
+        <p:nvSpPr>
+          <p:cNvPr id="2" name="Tytuł 1"/>
+          <p:cNvSpPr>
+            <a:spLocks noGrp="1"/>
+          </p:cNvSpPr>
+          <p:nvPr>
+            <p:ph type="title"/>
+          </p:nvPr>
+        </p:nvSpPr>
+        <p:spPr/>
+        <p:txBody>
+          <a:bodyPr/>
+          <a:lstStyle/>
+          <a:p>
+            <a:r>
+              <a:rPr lang="pl-PL" dirty="0" smtClean="0"/>
+              <a:t>Wybór </a:t>
+            </a:r>
+            <a:endParaRPr lang="pl-PL" dirty="0"/>
+          </a:p>
+        </p:txBody>
+      </p:sp>
+      <p:pic>
+        <p:nvPicPr>
+          <p:cNvPr id="4" name="Obraz 3" descr="azure.png"/>
+          <p:cNvPicPr>
+            <a:picLocks noChangeAspect="1"/>
+          </p:cNvPicPr>
+          <p:nvPr/>
+        </p:nvPicPr>
+        <p:blipFill>
+          <a:blip r:embed="rId2"/>
+          <a:stretch>
+            <a:fillRect/>
+          </a:stretch>
+        </p:blipFill>
+        <p:spPr>
+          <a:xfrm>
+            <a:off x="5315497" y="1384968"/>
+            <a:ext cx="3720553" cy="2347922"/>
+          </a:xfrm>
+          <a:prstGeom prst="rect">
+            <a:avLst/>
+          </a:prstGeom>
+        </p:spPr>
+      </p:pic>
+      <p:pic>
+        <p:nvPicPr>
+          <p:cNvPr id="5" name="Symbol zastępczy zawartości 3" descr="python_logotyp.png"/>
+          <p:cNvPicPr>
+            <a:picLocks noGrp="1" noChangeAspect="1"/>
+          </p:cNvPicPr>
+          <p:nvPr>
+            <p:ph idx="1"/>
+          </p:nvPr>
+        </p:nvPicPr>
+        <p:blipFill>
+          <a:blip r:embed="rId3"/>
+          <a:stretch>
+            <a:fillRect/>
+          </a:stretch>
+        </p:blipFill>
+        <p:spPr>
+          <a:xfrm>
+            <a:off x="611188" y="2361461"/>
+            <a:ext cx="4628572" cy="1371429"/>
+          </a:xfrm>
+        </p:spPr>
+      </p:pic>
+      <p:pic>
+        <p:nvPicPr>
+          <p:cNvPr id="8" name="Obraz 7" descr="rpy2_logo2013.png"/>
+          <p:cNvPicPr>
+            <a:picLocks noChangeAspect="1"/>
+          </p:cNvPicPr>
+          <p:nvPr/>
+        </p:nvPicPr>
+        <p:blipFill>
+          <a:blip r:embed="rId4"/>
+          <a:stretch>
+            <a:fillRect/>
+          </a:stretch>
+        </p:blipFill>
+        <p:spPr>
+          <a:xfrm>
+            <a:off x="1142976" y="3819430"/>
+            <a:ext cx="2786082" cy="2786082"/>
+          </a:xfrm>
+          <a:prstGeom prst="rect">
+            <a:avLst/>
+          </a:prstGeom>
+        </p:spPr>
+      </p:pic>
+      <p:pic>
+        <p:nvPicPr>
+          <p:cNvPr id="9" name="Obraz 8" descr="pandas.png"/>
+          <p:cNvPicPr>
+            <a:picLocks noChangeAspect="1"/>
+          </p:cNvPicPr>
+          <p:nvPr/>
+        </p:nvPicPr>
+        <p:blipFill>
+          <a:blip r:embed="rId5"/>
+          <a:stretch>
+            <a:fillRect/>
+          </a:stretch>
+        </p:blipFill>
+        <p:spPr>
+          <a:xfrm>
+            <a:off x="3985054" y="4071942"/>
+            <a:ext cx="5158946" cy="2676446"/>
+          </a:xfrm>
+          <a:prstGeom prst="rect">
+            <a:avLst/>
+          </a:prstGeom>
+        </p:spPr>
+      </p:pic>
+    </p:spTree>
+  </p:cSld>
+  <p:clrMapOvr>
+    <a:masterClrMapping/>
+  </p:clrMapOvr>
+  <p:transition>
+    <p:randomBar/>
+  </p:transition>
+</p:sld>
+</file>
+
+<file path=ppt/slides/slide9.xml><?xml version="1.0" encoding="utf-8"?>
+<p:sld xmlns:a="http://schemas.openxmlformats.org/drawingml/2006/main" xmlns:r="http://schemas.openxmlformats.org/officeDocument/2006/relationships" xmlns:p="http://schemas.openxmlformats.org/presentationml/2006/main">
+  <p:cSld>
+    <p:spTree>
+      <p:nvGrpSpPr>
+        <p:cNvPr id="1" name=""/>
+        <p:cNvGrpSpPr/>
+        <p:nvPr/>
+      </p:nvGrpSpPr>
+      <p:grpSpPr>
+        <a:xfrm>
+          <a:off x="0" y="0"/>
+          <a:ext cx="0" cy="0"/>
+          <a:chOff x="0" y="0"/>
+          <a:chExt cx="0" cy="0"/>
+        </a:xfrm>
+      </p:grpSpPr>
+      <p:sp>
+        <p:nvSpPr>
+          <p:cNvPr id="2" name="Tytuł 1"/>
+          <p:cNvSpPr>
+            <a:spLocks noGrp="1"/>
+          </p:cNvSpPr>
+          <p:nvPr>
+            <p:ph type="title"/>
+          </p:nvPr>
+        </p:nvSpPr>
+        <p:spPr/>
+        <p:txBody>
+          <a:bodyPr/>
+          <a:lstStyle/>
+          <a:p>
+            <a:r>
+              <a:rPr lang="pl-PL" dirty="0" smtClean="0"/>
+              <a:t>Pytania na początek</a:t>
+            </a:r>
+            <a:endParaRPr lang="pl-PL" dirty="0"/>
+          </a:p>
+        </p:txBody>
+      </p:sp>
+      <p:sp>
+        <p:nvSpPr>
+          <p:cNvPr id="3" name="Symbol zastępczy zawartości 2"/>
+          <p:cNvSpPr>
+            <a:spLocks noGrp="1"/>
+          </p:cNvSpPr>
+          <p:nvPr>
+            <p:ph idx="1"/>
+          </p:nvPr>
+        </p:nvSpPr>
+        <p:spPr/>
+        <p:txBody>
+          <a:bodyPr/>
+          <a:lstStyle/>
+          <a:p>
+            <a:r>
+              <a:rPr lang="pl-PL" dirty="0" smtClean="0"/>
+              <a:t>Skąd mieć dane? – kontakt z firmą</a:t>
+            </a:r>
+          </a:p>
+          <a:p>
+            <a:r>
+              <a:rPr lang="pl-PL" dirty="0" smtClean="0"/>
+              <a:t>Jakie wymagania szczegółowe ma firma?</a:t>
+            </a:r>
+          </a:p>
+          <a:p>
+            <a:r>
+              <a:rPr lang="pl-PL" smtClean="0"/>
+              <a:t>itd..</a:t>
+            </a:r>
+            <a:endParaRPr lang="pl-PL" dirty="0"/>
+          </a:p>
+        </p:txBody>
+      </p:sp>
+    </p:spTree>
+  </p:cSld>
+  <p:clrMapOvr>
+    <a:masterClrMapping/>
+  </p:clrMapOvr>
+  <p:transition>
+    <p:randomBar/>
+  </p:transition>
+</p:sld>
+</file>
+
 <file path=ppt/theme/theme1.xml><?xml version="1.0" encoding="utf-8"?>
 <a:theme xmlns:a="http://schemas.openxmlformats.org/drawingml/2006/main" name="szablon1-PL">
   <a:themeElements>
